--- a/image/get_google_api_account.pptx
+++ b/image/get_google_api_account.pptx
@@ -8,10 +8,17 @@
     <p:sldId id="256" r:id="rId2"/>
     <p:sldId id="257" r:id="rId3"/>
     <p:sldId id="258" r:id="rId4"/>
-    <p:sldId id="259" r:id="rId5"/>
-    <p:sldId id="262" r:id="rId6"/>
-    <p:sldId id="261" r:id="rId7"/>
-    <p:sldId id="263" r:id="rId8"/>
+    <p:sldId id="264" r:id="rId5"/>
+    <p:sldId id="266" r:id="rId6"/>
+    <p:sldId id="267" r:id="rId7"/>
+    <p:sldId id="268" r:id="rId8"/>
+    <p:sldId id="269" r:id="rId9"/>
+    <p:sldId id="270" r:id="rId10"/>
+    <p:sldId id="271" r:id="rId11"/>
+    <p:sldId id="272" r:id="rId12"/>
+    <p:sldId id="273" r:id="rId13"/>
+    <p:sldId id="274" r:id="rId14"/>
+    <p:sldId id="275" r:id="rId15"/>
   </p:sldIdLst>
   <p:sldSz cx="9144000" cy="6858000" type="screen4x3"/>
   <p:notesSz cx="6858000" cy="9144000"/>
@@ -294,7 +301,7 @@
           <a:p>
             <a:fld id="{5C6A794B-483E-4E6E-8AA0-86BD9459B970}" type="datetimeFigureOut">
               <a:rPr lang="ko-KR" altLang="en-US" smtClean="0"/>
-              <a:t>2019-02-25</a:t>
+              <a:t>2019-02-26</a:t>
             </a:fld>
             <a:endParaRPr lang="ko-KR" altLang="en-US"/>
           </a:p>
@@ -464,7 +471,7 @@
           <a:p>
             <a:fld id="{5C6A794B-483E-4E6E-8AA0-86BD9459B970}" type="datetimeFigureOut">
               <a:rPr lang="ko-KR" altLang="en-US" smtClean="0"/>
-              <a:t>2019-02-25</a:t>
+              <a:t>2019-02-26</a:t>
             </a:fld>
             <a:endParaRPr lang="ko-KR" altLang="en-US"/>
           </a:p>
@@ -644,7 +651,7 @@
           <a:p>
             <a:fld id="{5C6A794B-483E-4E6E-8AA0-86BD9459B970}" type="datetimeFigureOut">
               <a:rPr lang="ko-KR" altLang="en-US" smtClean="0"/>
-              <a:t>2019-02-25</a:t>
+              <a:t>2019-02-26</a:t>
             </a:fld>
             <a:endParaRPr lang="ko-KR" altLang="en-US"/>
           </a:p>
@@ -814,7 +821,7 @@
           <a:p>
             <a:fld id="{5C6A794B-483E-4E6E-8AA0-86BD9459B970}" type="datetimeFigureOut">
               <a:rPr lang="ko-KR" altLang="en-US" smtClean="0"/>
-              <a:t>2019-02-25</a:t>
+              <a:t>2019-02-26</a:t>
             </a:fld>
             <a:endParaRPr lang="ko-KR" altLang="en-US"/>
           </a:p>
@@ -1060,7 +1067,7 @@
           <a:p>
             <a:fld id="{5C6A794B-483E-4E6E-8AA0-86BD9459B970}" type="datetimeFigureOut">
               <a:rPr lang="ko-KR" altLang="en-US" smtClean="0"/>
-              <a:t>2019-02-25</a:t>
+              <a:t>2019-02-26</a:t>
             </a:fld>
             <a:endParaRPr lang="ko-KR" altLang="en-US"/>
           </a:p>
@@ -1348,7 +1355,7 @@
           <a:p>
             <a:fld id="{5C6A794B-483E-4E6E-8AA0-86BD9459B970}" type="datetimeFigureOut">
               <a:rPr lang="ko-KR" altLang="en-US" smtClean="0"/>
-              <a:t>2019-02-25</a:t>
+              <a:t>2019-02-26</a:t>
             </a:fld>
             <a:endParaRPr lang="ko-KR" altLang="en-US"/>
           </a:p>
@@ -1770,7 +1777,7 @@
           <a:p>
             <a:fld id="{5C6A794B-483E-4E6E-8AA0-86BD9459B970}" type="datetimeFigureOut">
               <a:rPr lang="ko-KR" altLang="en-US" smtClean="0"/>
-              <a:t>2019-02-25</a:t>
+              <a:t>2019-02-26</a:t>
             </a:fld>
             <a:endParaRPr lang="ko-KR" altLang="en-US"/>
           </a:p>
@@ -1888,7 +1895,7 @@
           <a:p>
             <a:fld id="{5C6A794B-483E-4E6E-8AA0-86BD9459B970}" type="datetimeFigureOut">
               <a:rPr lang="ko-KR" altLang="en-US" smtClean="0"/>
-              <a:t>2019-02-25</a:t>
+              <a:t>2019-02-26</a:t>
             </a:fld>
             <a:endParaRPr lang="ko-KR" altLang="en-US"/>
           </a:p>
@@ -1983,7 +1990,7 @@
           <a:p>
             <a:fld id="{5C6A794B-483E-4E6E-8AA0-86BD9459B970}" type="datetimeFigureOut">
               <a:rPr lang="ko-KR" altLang="en-US" smtClean="0"/>
-              <a:t>2019-02-25</a:t>
+              <a:t>2019-02-26</a:t>
             </a:fld>
             <a:endParaRPr lang="ko-KR" altLang="en-US"/>
           </a:p>
@@ -2260,7 +2267,7 @@
           <a:p>
             <a:fld id="{5C6A794B-483E-4E6E-8AA0-86BD9459B970}" type="datetimeFigureOut">
               <a:rPr lang="ko-KR" altLang="en-US" smtClean="0"/>
-              <a:t>2019-02-25</a:t>
+              <a:t>2019-02-26</a:t>
             </a:fld>
             <a:endParaRPr lang="ko-KR" altLang="en-US"/>
           </a:p>
@@ -2513,7 +2520,7 @@
           <a:p>
             <a:fld id="{5C6A794B-483E-4E6E-8AA0-86BD9459B970}" type="datetimeFigureOut">
               <a:rPr lang="ko-KR" altLang="en-US" smtClean="0"/>
-              <a:t>2019-02-25</a:t>
+              <a:t>2019-02-26</a:t>
             </a:fld>
             <a:endParaRPr lang="ko-KR" altLang="en-US"/>
           </a:p>
@@ -2726,7 +2733,7 @@
           <a:p>
             <a:fld id="{5C6A794B-483E-4E6E-8AA0-86BD9459B970}" type="datetimeFigureOut">
               <a:rPr lang="ko-KR" altLang="en-US" smtClean="0"/>
-              <a:t>2019-02-25</a:t>
+              <a:t>2019-02-26</a:t>
             </a:fld>
             <a:endParaRPr lang="ko-KR" altLang="en-US"/>
           </a:p>
@@ -3195,7 +3202,7 @@
 </p:sld>
 </file>
 
-<file path=ppt/slides/slide2.xml><?xml version="1.0" encoding="utf-8"?>
+<file path=ppt/slides/slide10.xml><?xml version="1.0" encoding="utf-8"?>
 <p:sld xmlns:a="http://schemas.openxmlformats.org/drawingml/2006/main" xmlns:r="http://schemas.openxmlformats.org/officeDocument/2006/relationships" xmlns:p="http://schemas.openxmlformats.org/presentationml/2006/main">
   <p:cSld>
     <p:spTree>
@@ -3212,137 +3219,9 @@
           <a:chExt cx="0" cy="0"/>
         </a:xfrm>
       </p:grpSpPr>
-      <p:sp>
-        <p:nvSpPr>
-          <p:cNvPr id="4" name="제목 3"/>
-          <p:cNvSpPr>
-            <a:spLocks noGrp="1"/>
-          </p:cNvSpPr>
-          <p:nvPr>
-            <p:ph type="title"/>
-          </p:nvPr>
-        </p:nvSpPr>
-        <p:spPr/>
-        <p:txBody>
-          <a:bodyPr/>
-          <a:lstStyle/>
-          <a:p>
-            <a:r>
-              <a:rPr lang="en-US" altLang="ko-KR" dirty="0" smtClean="0"/>
-              <a:t>1. </a:t>
-            </a:r>
-            <a:r>
-              <a:rPr lang="ko-KR" altLang="en-US" dirty="0" smtClean="0"/>
-              <a:t>사이트 접속</a:t>
-            </a:r>
-            <a:endParaRPr lang="ko-KR" altLang="en-US" dirty="0"/>
-          </a:p>
-        </p:txBody>
-      </p:sp>
-      <p:sp>
-        <p:nvSpPr>
-          <p:cNvPr id="6" name="TextBox 5"/>
-          <p:cNvSpPr txBox="1"/>
-          <p:nvPr/>
-        </p:nvSpPr>
-        <p:spPr>
-          <a:xfrm>
-            <a:off x="1010336" y="1988840"/>
-            <a:ext cx="4310988" cy="369332"/>
-          </a:xfrm>
-          <a:prstGeom prst="rect">
-            <a:avLst/>
-          </a:prstGeom>
-          <a:noFill/>
-        </p:spPr>
-        <p:txBody>
-          <a:bodyPr wrap="none" rtlCol="0">
-            <a:spAutoFit/>
-          </a:bodyPr>
-          <a:lstStyle/>
-          <a:p>
-            <a:r>
-              <a:rPr lang="en-US" altLang="ko-KR" dirty="0">
-                <a:hlinkClick r:id="rId2"/>
-              </a:rPr>
-              <a:t>https://console.developers.google.com/</a:t>
-            </a:r>
-            <a:endParaRPr lang="ko-KR" altLang="en-US" dirty="0"/>
-          </a:p>
-        </p:txBody>
-      </p:sp>
-    </p:spTree>
-    <p:extLst>
-      <p:ext uri="{BB962C8B-B14F-4D97-AF65-F5344CB8AC3E}">
-        <p14:creationId xmlns:p14="http://schemas.microsoft.com/office/powerpoint/2010/main" val="2875034070"/>
-      </p:ext>
-    </p:extLst>
-  </p:cSld>
-  <p:clrMapOvr>
-    <a:masterClrMapping/>
-  </p:clrMapOvr>
-</p:sld>
-</file>
-
-<file path=ppt/slides/slide3.xml><?xml version="1.0" encoding="utf-8"?>
-<p:sld xmlns:a="http://schemas.openxmlformats.org/drawingml/2006/main" xmlns:r="http://schemas.openxmlformats.org/officeDocument/2006/relationships" xmlns:p="http://schemas.openxmlformats.org/presentationml/2006/main">
-  <p:cSld>
-    <p:spTree>
-      <p:nvGrpSpPr>
-        <p:cNvPr id="1" name=""/>
-        <p:cNvGrpSpPr/>
-        <p:nvPr/>
-      </p:nvGrpSpPr>
-      <p:grpSpPr>
-        <a:xfrm>
-          <a:off x="0" y="0"/>
-          <a:ext cx="0" cy="0"/>
-          <a:chOff x="0" y="0"/>
-          <a:chExt cx="0" cy="0"/>
-        </a:xfrm>
-      </p:grpSpPr>
-      <p:sp>
-        <p:nvSpPr>
-          <p:cNvPr id="4" name="제목 3"/>
-          <p:cNvSpPr>
-            <a:spLocks noGrp="1"/>
-          </p:cNvSpPr>
-          <p:nvPr>
-            <p:ph type="title"/>
-          </p:nvPr>
-        </p:nvSpPr>
-        <p:spPr/>
-        <p:txBody>
-          <a:bodyPr/>
-          <a:lstStyle/>
-          <a:p>
-            <a:r>
-              <a:rPr lang="en-US" altLang="ko-KR" dirty="0"/>
-              <a:t>2</a:t>
-            </a:r>
-            <a:r>
-              <a:rPr lang="en-US" altLang="ko-KR" dirty="0" smtClean="0"/>
-              <a:t>. ‘</a:t>
-            </a:r>
-            <a:r>
-              <a:rPr lang="ko-KR" altLang="en-US" dirty="0" smtClean="0"/>
-              <a:t>사용자 인증 정보</a:t>
-            </a:r>
-            <a:r>
-              <a:rPr lang="en-US" altLang="ko-KR" dirty="0" smtClean="0"/>
-              <a:t>’ </a:t>
-            </a:r>
-            <a:r>
-              <a:rPr lang="ko-KR" altLang="en-US" dirty="0" smtClean="0"/>
-              <a:t>들어가기</a:t>
-            </a:r>
-            <a:endParaRPr lang="ko-KR" altLang="en-US" dirty="0"/>
-          </a:p>
-        </p:txBody>
-      </p:sp>
       <p:pic>
         <p:nvPicPr>
-          <p:cNvPr id="1026" name="Picture 2"/>
+          <p:cNvPr id="7170" name="Picture 2"/>
           <p:cNvPicPr>
             <a:picLocks noChangeAspect="1" noChangeArrowheads="1"/>
           </p:cNvPicPr>
@@ -3363,8 +3242,461 @@
         </p:blipFill>
         <p:spPr bwMode="auto">
           <a:xfrm>
-            <a:off x="1547664" y="1400436"/>
-            <a:ext cx="5976664" cy="5295052"/>
+            <a:off x="1628775" y="428625"/>
+            <a:ext cx="5886450" cy="6000750"/>
+          </a:xfrm>
+          <a:prstGeom prst="rect">
+            <a:avLst/>
+          </a:prstGeom>
+          <a:noFill/>
+          <a:ln>
+            <a:noFill/>
+          </a:ln>
+          <a:extLst>
+            <a:ext uri="{909E8E84-426E-40DD-AFC4-6F175D3DCCD1}">
+              <a14:hiddenFill xmlns:a14="http://schemas.microsoft.com/office/drawing/2010/main">
+                <a:solidFill>
+                  <a:schemeClr val="accent1"/>
+                </a:solidFill>
+              </a14:hiddenFill>
+            </a:ext>
+            <a:ext uri="{91240B29-F687-4F45-9708-019B960494DF}">
+              <a14:hiddenLine xmlns:a14="http://schemas.microsoft.com/office/drawing/2010/main" w="9525">
+                <a:solidFill>
+                  <a:schemeClr val="tx1"/>
+                </a:solidFill>
+                <a:miter lim="800000"/>
+                <a:headEnd/>
+                <a:tailEnd/>
+              </a14:hiddenLine>
+            </a:ext>
+          </a:extLst>
+        </p:spPr>
+      </p:pic>
+      <p:sp>
+        <p:nvSpPr>
+          <p:cNvPr id="4" name="타원 3"/>
+          <p:cNvSpPr/>
+          <p:nvPr/>
+        </p:nvSpPr>
+        <p:spPr>
+          <a:xfrm>
+            <a:off x="1961679" y="3327400"/>
+            <a:ext cx="1224136" cy="288032"/>
+          </a:xfrm>
+          <a:prstGeom prst="ellipse">
+            <a:avLst/>
+          </a:prstGeom>
+          <a:noFill/>
+          <a:ln>
+            <a:solidFill>
+              <a:srgbClr val="FF0000"/>
+            </a:solidFill>
+          </a:ln>
+        </p:spPr>
+        <p:style>
+          <a:lnRef idx="2">
+            <a:schemeClr val="accent1">
+              <a:shade val="50000"/>
+            </a:schemeClr>
+          </a:lnRef>
+          <a:fillRef idx="1">
+            <a:schemeClr val="accent1"/>
+          </a:fillRef>
+          <a:effectRef idx="0">
+            <a:schemeClr val="accent1"/>
+          </a:effectRef>
+          <a:fontRef idx="minor">
+            <a:schemeClr val="lt1"/>
+          </a:fontRef>
+        </p:style>
+        <p:txBody>
+          <a:bodyPr rtlCol="0" anchor="ctr"/>
+          <a:lstStyle/>
+          <a:p>
+            <a:pPr algn="ctr"/>
+            <a:r>
+              <a:rPr lang="en-US" altLang="ko-KR" dirty="0" smtClean="0">
+                <a:solidFill>
+                  <a:schemeClr val="tx1"/>
+                </a:solidFill>
+              </a:rPr>
+              <a:t>alba</a:t>
+            </a:r>
+            <a:endParaRPr lang="ko-KR" altLang="en-US" dirty="0">
+              <a:solidFill>
+                <a:schemeClr val="tx1"/>
+              </a:solidFill>
+            </a:endParaRPr>
+          </a:p>
+        </p:txBody>
+      </p:sp>
+      <p:sp>
+        <p:nvSpPr>
+          <p:cNvPr id="5" name="타원 4"/>
+          <p:cNvSpPr/>
+          <p:nvPr/>
+        </p:nvSpPr>
+        <p:spPr>
+          <a:xfrm>
+            <a:off x="2037879" y="4085580"/>
+            <a:ext cx="738051" cy="360040"/>
+          </a:xfrm>
+          <a:prstGeom prst="ellipse">
+            <a:avLst/>
+          </a:prstGeom>
+          <a:noFill/>
+          <a:ln>
+            <a:solidFill>
+              <a:srgbClr val="FF0000"/>
+            </a:solidFill>
+          </a:ln>
+        </p:spPr>
+        <p:style>
+          <a:lnRef idx="2">
+            <a:schemeClr val="accent1">
+              <a:shade val="50000"/>
+            </a:schemeClr>
+          </a:lnRef>
+          <a:fillRef idx="1">
+            <a:schemeClr val="accent1"/>
+          </a:fillRef>
+          <a:effectRef idx="0">
+            <a:schemeClr val="accent1"/>
+          </a:effectRef>
+          <a:fontRef idx="minor">
+            <a:schemeClr val="lt1"/>
+          </a:fontRef>
+        </p:style>
+        <p:txBody>
+          <a:bodyPr rtlCol="0" anchor="ctr"/>
+          <a:lstStyle/>
+          <a:p>
+            <a:pPr algn="ctr"/>
+            <a:endParaRPr lang="ko-KR" altLang="en-US" dirty="0">
+              <a:solidFill>
+                <a:schemeClr val="tx1"/>
+              </a:solidFill>
+            </a:endParaRPr>
+          </a:p>
+        </p:txBody>
+      </p:sp>
+    </p:spTree>
+    <p:extLst>
+      <p:ext uri="{BB962C8B-B14F-4D97-AF65-F5344CB8AC3E}">
+        <p14:creationId xmlns:p14="http://schemas.microsoft.com/office/powerpoint/2010/main" val="3142220793"/>
+      </p:ext>
+    </p:extLst>
+  </p:cSld>
+  <p:clrMapOvr>
+    <a:masterClrMapping/>
+  </p:clrMapOvr>
+</p:sld>
+</file>
+
+<file path=ppt/slides/slide11.xml><?xml version="1.0" encoding="utf-8"?>
+<p:sld xmlns:a="http://schemas.openxmlformats.org/drawingml/2006/main" xmlns:r="http://schemas.openxmlformats.org/officeDocument/2006/relationships" xmlns:p="http://schemas.openxmlformats.org/presentationml/2006/main">
+  <p:cSld>
+    <p:spTree>
+      <p:nvGrpSpPr>
+        <p:cNvPr id="1" name=""/>
+        <p:cNvGrpSpPr/>
+        <p:nvPr/>
+      </p:nvGrpSpPr>
+      <p:grpSpPr>
+        <a:xfrm>
+          <a:off x="0" y="0"/>
+          <a:ext cx="0" cy="0"/>
+          <a:chOff x="0" y="0"/>
+          <a:chExt cx="0" cy="0"/>
+        </a:xfrm>
+      </p:grpSpPr>
+      <p:pic>
+        <p:nvPicPr>
+          <p:cNvPr id="8194" name="Picture 2"/>
+          <p:cNvPicPr>
+            <a:picLocks noChangeAspect="1" noChangeArrowheads="1"/>
+          </p:cNvPicPr>
+          <p:nvPr/>
+        </p:nvPicPr>
+        <p:blipFill>
+          <a:blip r:embed="rId2">
+            <a:extLst>
+              <a:ext uri="{28A0092B-C50C-407E-A947-70E740481C1C}">
+                <a14:useLocalDpi xmlns:a14="http://schemas.microsoft.com/office/drawing/2010/main" val="0"/>
+              </a:ext>
+            </a:extLst>
+          </a:blip>
+          <a:srcRect/>
+          <a:stretch>
+            <a:fillRect/>
+          </a:stretch>
+        </p:blipFill>
+        <p:spPr bwMode="auto">
+          <a:xfrm>
+            <a:off x="1143000" y="1214438"/>
+            <a:ext cx="6858000" cy="4429125"/>
+          </a:xfrm>
+          <a:prstGeom prst="rect">
+            <a:avLst/>
+          </a:prstGeom>
+          <a:noFill/>
+          <a:ln>
+            <a:noFill/>
+          </a:ln>
+          <a:extLst>
+            <a:ext uri="{909E8E84-426E-40DD-AFC4-6F175D3DCCD1}">
+              <a14:hiddenFill xmlns:a14="http://schemas.microsoft.com/office/drawing/2010/main">
+                <a:solidFill>
+                  <a:schemeClr val="accent1"/>
+                </a:solidFill>
+              </a14:hiddenFill>
+            </a:ext>
+            <a:ext uri="{91240B29-F687-4F45-9708-019B960494DF}">
+              <a14:hiddenLine xmlns:a14="http://schemas.microsoft.com/office/drawing/2010/main" w="9525">
+                <a:solidFill>
+                  <a:schemeClr val="tx1"/>
+                </a:solidFill>
+                <a:miter lim="800000"/>
+                <a:headEnd/>
+                <a:tailEnd/>
+              </a14:hiddenLine>
+            </a:ext>
+          </a:extLst>
+        </p:spPr>
+      </p:pic>
+      <p:sp>
+        <p:nvSpPr>
+          <p:cNvPr id="4" name="타원 3"/>
+          <p:cNvSpPr/>
+          <p:nvPr/>
+        </p:nvSpPr>
+        <p:spPr>
+          <a:xfrm>
+            <a:off x="1143000" y="5013176"/>
+            <a:ext cx="738051" cy="360040"/>
+          </a:xfrm>
+          <a:prstGeom prst="ellipse">
+            <a:avLst/>
+          </a:prstGeom>
+          <a:noFill/>
+          <a:ln>
+            <a:solidFill>
+              <a:srgbClr val="FF0000"/>
+            </a:solidFill>
+          </a:ln>
+        </p:spPr>
+        <p:style>
+          <a:lnRef idx="2">
+            <a:schemeClr val="accent1">
+              <a:shade val="50000"/>
+            </a:schemeClr>
+          </a:lnRef>
+          <a:fillRef idx="1">
+            <a:schemeClr val="accent1"/>
+          </a:fillRef>
+          <a:effectRef idx="0">
+            <a:schemeClr val="accent1"/>
+          </a:effectRef>
+          <a:fontRef idx="minor">
+            <a:schemeClr val="lt1"/>
+          </a:fontRef>
+        </p:style>
+        <p:txBody>
+          <a:bodyPr rtlCol="0" anchor="ctr"/>
+          <a:lstStyle/>
+          <a:p>
+            <a:pPr algn="ctr"/>
+            <a:endParaRPr lang="ko-KR" altLang="en-US" dirty="0">
+              <a:solidFill>
+                <a:schemeClr val="tx1"/>
+              </a:solidFill>
+            </a:endParaRPr>
+          </a:p>
+        </p:txBody>
+      </p:sp>
+      <p:sp>
+        <p:nvSpPr>
+          <p:cNvPr id="5" name="타원 4"/>
+          <p:cNvSpPr/>
+          <p:nvPr/>
+        </p:nvSpPr>
+        <p:spPr>
+          <a:xfrm>
+            <a:off x="1619672" y="4365104"/>
+            <a:ext cx="738051" cy="360040"/>
+          </a:xfrm>
+          <a:prstGeom prst="ellipse">
+            <a:avLst/>
+          </a:prstGeom>
+          <a:noFill/>
+          <a:ln>
+            <a:solidFill>
+              <a:srgbClr val="FF0000"/>
+            </a:solidFill>
+          </a:ln>
+        </p:spPr>
+        <p:style>
+          <a:lnRef idx="2">
+            <a:schemeClr val="accent1">
+              <a:shade val="50000"/>
+            </a:schemeClr>
+          </a:lnRef>
+          <a:fillRef idx="1">
+            <a:schemeClr val="accent1"/>
+          </a:fillRef>
+          <a:effectRef idx="0">
+            <a:schemeClr val="accent1"/>
+          </a:effectRef>
+          <a:fontRef idx="minor">
+            <a:schemeClr val="lt1"/>
+          </a:fontRef>
+        </p:style>
+        <p:txBody>
+          <a:bodyPr rtlCol="0" anchor="ctr"/>
+          <a:lstStyle/>
+          <a:p>
+            <a:pPr algn="ctr"/>
+            <a:endParaRPr lang="ko-KR" altLang="en-US" dirty="0">
+              <a:solidFill>
+                <a:schemeClr val="tx1"/>
+              </a:solidFill>
+            </a:endParaRPr>
+          </a:p>
+        </p:txBody>
+      </p:sp>
+      <p:cxnSp>
+        <p:nvCxnSpPr>
+          <p:cNvPr id="6" name="직선 화살표 연결선 5"/>
+          <p:cNvCxnSpPr>
+            <a:stCxn id="5" idx="6"/>
+          </p:cNvCxnSpPr>
+          <p:nvPr/>
+        </p:nvCxnSpPr>
+        <p:spPr>
+          <a:xfrm>
+            <a:off x="2357723" y="4545124"/>
+            <a:ext cx="1206165" cy="828092"/>
+          </a:xfrm>
+          <a:prstGeom prst="straightConnector1">
+            <a:avLst/>
+          </a:prstGeom>
+          <a:ln>
+            <a:tailEnd type="arrow"/>
+          </a:ln>
+        </p:spPr>
+        <p:style>
+          <a:lnRef idx="1">
+            <a:schemeClr val="accent1"/>
+          </a:lnRef>
+          <a:fillRef idx="0">
+            <a:schemeClr val="accent1"/>
+          </a:fillRef>
+          <a:effectRef idx="0">
+            <a:schemeClr val="accent1"/>
+          </a:effectRef>
+          <a:fontRef idx="minor">
+            <a:schemeClr val="tx1"/>
+          </a:fontRef>
+        </p:style>
+      </p:cxnSp>
+      <p:sp>
+        <p:nvSpPr>
+          <p:cNvPr id="7" name="TextBox 6"/>
+          <p:cNvSpPr txBox="1"/>
+          <p:nvPr/>
+        </p:nvSpPr>
+        <p:spPr>
+          <a:xfrm>
+            <a:off x="3716412" y="5458897"/>
+            <a:ext cx="4092787" cy="369332"/>
+          </a:xfrm>
+          <a:prstGeom prst="rect">
+            <a:avLst/>
+          </a:prstGeom>
+          <a:noFill/>
+        </p:spPr>
+        <p:txBody>
+          <a:bodyPr wrap="none" rtlCol="0">
+            <a:spAutoFit/>
+          </a:bodyPr>
+          <a:lstStyle/>
+          <a:p>
+            <a:r>
+              <a:rPr lang="en-US" altLang="ko-KR" dirty="0" err="1" smtClean="0"/>
+              <a:t>Ppt</a:t>
+            </a:r>
+            <a:r>
+              <a:rPr lang="ko-KR" altLang="en-US" dirty="0" smtClean="0"/>
+              <a:t>파일 제일 </a:t>
+            </a:r>
+            <a:r>
+              <a:rPr lang="ko-KR" altLang="en-US" dirty="0" err="1" smtClean="0"/>
+              <a:t>마지막장에</a:t>
+            </a:r>
+            <a:r>
+              <a:rPr lang="ko-KR" altLang="en-US" dirty="0" smtClean="0"/>
+              <a:t> 데이터 있음</a:t>
+            </a:r>
+            <a:endParaRPr lang="ko-KR" altLang="en-US" dirty="0"/>
+          </a:p>
+        </p:txBody>
+      </p:sp>
+    </p:spTree>
+    <p:extLst>
+      <p:ext uri="{BB962C8B-B14F-4D97-AF65-F5344CB8AC3E}">
+        <p14:creationId xmlns:p14="http://schemas.microsoft.com/office/powerpoint/2010/main" val="610561989"/>
+      </p:ext>
+    </p:extLst>
+  </p:cSld>
+  <p:clrMapOvr>
+    <a:masterClrMapping/>
+  </p:clrMapOvr>
+</p:sld>
+</file>
+
+<file path=ppt/slides/slide12.xml><?xml version="1.0" encoding="utf-8"?>
+<p:sld xmlns:a="http://schemas.openxmlformats.org/drawingml/2006/main" xmlns:r="http://schemas.openxmlformats.org/officeDocument/2006/relationships" xmlns:p="http://schemas.openxmlformats.org/presentationml/2006/main">
+  <p:cSld>
+    <p:spTree>
+      <p:nvGrpSpPr>
+        <p:cNvPr id="1" name=""/>
+        <p:cNvGrpSpPr/>
+        <p:nvPr/>
+      </p:nvGrpSpPr>
+      <p:grpSpPr>
+        <a:xfrm>
+          <a:off x="0" y="0"/>
+          <a:ext cx="0" cy="0"/>
+          <a:chOff x="0" y="0"/>
+          <a:chExt cx="0" cy="0"/>
+        </a:xfrm>
+      </p:grpSpPr>
+      <p:pic>
+        <p:nvPicPr>
+          <p:cNvPr id="9219" name="Picture 3"/>
+          <p:cNvPicPr>
+            <a:picLocks noChangeAspect="1" noChangeArrowheads="1"/>
+          </p:cNvPicPr>
+          <p:nvPr/>
+        </p:nvPicPr>
+        <p:blipFill>
+          <a:blip r:embed="rId2">
+            <a:extLst>
+              <a:ext uri="{28A0092B-C50C-407E-A947-70E740481C1C}">
+                <a14:useLocalDpi xmlns:a14="http://schemas.microsoft.com/office/drawing/2010/main" val="0"/>
+              </a:ext>
+            </a:extLst>
+          </a:blip>
+          <a:srcRect/>
+          <a:stretch>
+            <a:fillRect/>
+          </a:stretch>
+        </p:blipFill>
+        <p:spPr bwMode="auto">
+          <a:xfrm>
+            <a:off x="539552" y="2516728"/>
+            <a:ext cx="8211269" cy="2240132"/>
           </a:xfrm>
           <a:prstGeom prst="rect">
             <a:avLst/>
@@ -3397,7 +3729,7 @@
     </p:spTree>
     <p:extLst>
       <p:ext uri="{BB962C8B-B14F-4D97-AF65-F5344CB8AC3E}">
-        <p14:creationId xmlns:p14="http://schemas.microsoft.com/office/powerpoint/2010/main" val="2993094436"/>
+        <p14:creationId xmlns:p14="http://schemas.microsoft.com/office/powerpoint/2010/main" val="2067457187"/>
       </p:ext>
     </p:extLst>
   </p:cSld>
@@ -3407,7 +3739,7 @@
 </p:sld>
 </file>
 
-<file path=ppt/slides/slide4.xml><?xml version="1.0" encoding="utf-8"?>
+<file path=ppt/slides/slide13.xml><?xml version="1.0" encoding="utf-8"?>
 <p:sld xmlns:a="http://schemas.openxmlformats.org/drawingml/2006/main" xmlns:r="http://schemas.openxmlformats.org/officeDocument/2006/relationships" xmlns:p="http://schemas.openxmlformats.org/presentationml/2006/main">
   <p:cSld>
     <p:spTree>
@@ -3424,94 +3756,9 @@
           <a:chExt cx="0" cy="0"/>
         </a:xfrm>
       </p:grpSpPr>
-      <p:sp>
-        <p:nvSpPr>
-          <p:cNvPr id="4" name="제목 3"/>
-          <p:cNvSpPr>
-            <a:spLocks noGrp="1"/>
-          </p:cNvSpPr>
-          <p:nvPr>
-            <p:ph type="title"/>
-          </p:nvPr>
-        </p:nvSpPr>
-        <p:spPr/>
-        <p:txBody>
-          <a:bodyPr/>
-          <a:lstStyle/>
-          <a:p>
-            <a:r>
-              <a:rPr lang="en-US" altLang="ko-KR" dirty="0" smtClean="0"/>
-              <a:t>3. </a:t>
-            </a:r>
-            <a:r>
-              <a:rPr lang="ko-KR" altLang="en-US" dirty="0" smtClean="0"/>
-              <a:t>사용자 인증 정보</a:t>
-            </a:r>
-            <a:r>
-              <a:rPr lang="en-US" altLang="ko-KR" dirty="0" smtClean="0"/>
-              <a:t> </a:t>
-            </a:r>
-            <a:r>
-              <a:rPr lang="ko-KR" altLang="en-US" dirty="0" smtClean="0"/>
-              <a:t>만들기</a:t>
-            </a:r>
-            <a:endParaRPr lang="ko-KR" altLang="en-US" dirty="0"/>
-          </a:p>
-        </p:txBody>
-      </p:sp>
-      <p:sp>
-        <p:nvSpPr>
-          <p:cNvPr id="6" name="TextBox 5"/>
-          <p:cNvSpPr txBox="1"/>
-          <p:nvPr/>
-        </p:nvSpPr>
-        <p:spPr>
-          <a:xfrm>
-            <a:off x="1043608" y="1556792"/>
-            <a:ext cx="3206327" cy="369332"/>
-          </a:xfrm>
-          <a:prstGeom prst="rect">
-            <a:avLst/>
-          </a:prstGeom>
-          <a:noFill/>
-        </p:spPr>
-        <p:txBody>
-          <a:bodyPr wrap="none" rtlCol="0">
-            <a:spAutoFit/>
-          </a:bodyPr>
-          <a:lstStyle/>
-          <a:p>
-            <a:pPr marL="285750" indent="-285750">
-              <a:buFontTx/>
-              <a:buChar char="-"/>
-            </a:pPr>
-            <a:r>
-              <a:rPr lang="en-US" altLang="ko-KR" dirty="0" err="1" smtClean="0"/>
-              <a:t>Oauth</a:t>
-            </a:r>
-            <a:r>
-              <a:rPr lang="en-US" altLang="ko-KR" dirty="0" smtClean="0"/>
-              <a:t> </a:t>
-            </a:r>
-            <a:r>
-              <a:rPr lang="ko-KR" altLang="en-US" dirty="0" smtClean="0"/>
-              <a:t>클라이언트 </a:t>
-            </a:r>
-            <a:r>
-              <a:rPr lang="en-US" altLang="ko-KR" dirty="0" smtClean="0"/>
-              <a:t>ID </a:t>
-            </a:r>
-            <a:r>
-              <a:rPr lang="ko-KR" altLang="en-US" dirty="0" smtClean="0"/>
-              <a:t>생성</a:t>
-            </a:r>
-            <a:endParaRPr lang="ko-KR" altLang="en-US" dirty="0"/>
-          </a:p>
-        </p:txBody>
-      </p:sp>
       <p:pic>
         <p:nvPicPr>
-          <p:cNvPr id="2050" name="Picture 2"/>
+          <p:cNvPr id="10242" name="Picture 2"/>
           <p:cNvPicPr>
             <a:picLocks noChangeAspect="1" noChangeArrowheads="1"/>
           </p:cNvPicPr>
@@ -3532,8 +3779,8 @@
         </p:blipFill>
         <p:spPr bwMode="auto">
           <a:xfrm>
-            <a:off x="1691680" y="2038862"/>
-            <a:ext cx="5763597" cy="4198450"/>
+            <a:off x="531887" y="1844824"/>
+            <a:ext cx="8020050" cy="3981450"/>
           </a:xfrm>
           <a:prstGeom prst="rect">
             <a:avLst/>
@@ -3566,7 +3813,563 @@
     </p:spTree>
     <p:extLst>
       <p:ext uri="{BB962C8B-B14F-4D97-AF65-F5344CB8AC3E}">
-        <p14:creationId xmlns:p14="http://schemas.microsoft.com/office/powerpoint/2010/main" val="400549369"/>
+        <p14:creationId xmlns:p14="http://schemas.microsoft.com/office/powerpoint/2010/main" val="3589773487"/>
+      </p:ext>
+    </p:extLst>
+  </p:cSld>
+  <p:clrMapOvr>
+    <a:masterClrMapping/>
+  </p:clrMapOvr>
+</p:sld>
+</file>
+
+<file path=ppt/slides/slide14.xml><?xml version="1.0" encoding="utf-8"?>
+<p:sld xmlns:a="http://schemas.openxmlformats.org/drawingml/2006/main" xmlns:r="http://schemas.openxmlformats.org/officeDocument/2006/relationships" xmlns:p="http://schemas.openxmlformats.org/presentationml/2006/main">
+  <p:cSld>
+    <p:spTree>
+      <p:nvGrpSpPr>
+        <p:cNvPr id="1" name=""/>
+        <p:cNvGrpSpPr/>
+        <p:nvPr/>
+      </p:nvGrpSpPr>
+      <p:grpSpPr>
+        <a:xfrm>
+          <a:off x="0" y="0"/>
+          <a:ext cx="0" cy="0"/>
+          <a:chOff x="0" y="0"/>
+          <a:chExt cx="0" cy="0"/>
+        </a:xfrm>
+      </p:grpSpPr>
+      <p:sp>
+        <p:nvSpPr>
+          <p:cNvPr id="2" name="제목 1"/>
+          <p:cNvSpPr>
+            <a:spLocks noGrp="1"/>
+          </p:cNvSpPr>
+          <p:nvPr>
+            <p:ph type="title"/>
+          </p:nvPr>
+        </p:nvSpPr>
+        <p:spPr/>
+        <p:txBody>
+          <a:bodyPr/>
+          <a:lstStyle/>
+          <a:p>
+            <a:r>
+              <a:rPr lang="en-US" altLang="ko-KR" dirty="0" err="1"/>
+              <a:t>client_id.json</a:t>
+            </a:r>
+            <a:endParaRPr lang="ko-KR" altLang="en-US" dirty="0"/>
+          </a:p>
+        </p:txBody>
+      </p:sp>
+      <p:sp>
+        <p:nvSpPr>
+          <p:cNvPr id="3" name="직사각형 2"/>
+          <p:cNvSpPr/>
+          <p:nvPr/>
+        </p:nvSpPr>
+        <p:spPr>
+          <a:xfrm>
+            <a:off x="2286000" y="1720840"/>
+            <a:ext cx="4572000" cy="3416320"/>
+          </a:xfrm>
+          <a:prstGeom prst="rect">
+            <a:avLst/>
+          </a:prstGeom>
+        </p:spPr>
+        <p:txBody>
+          <a:bodyPr>
+            <a:spAutoFit/>
+          </a:bodyPr>
+          <a:lstStyle/>
+          <a:p>
+            <a:r>
+              <a:rPr lang="en-US" altLang="ko-KR" dirty="0"/>
+              <a:t>{"web":{"client_id":"941660551743-ou8udh8eeg8pi2b9cptplgul5fi4re58.apps.googleusercontent.com","project_id":"alba-232905","auth_uri":"https://accounts.google.com/o/oauth2/</a:t>
+            </a:r>
+            <a:r>
+              <a:rPr lang="en-US" altLang="ko-KR" dirty="0" err="1"/>
+              <a:t>auth</a:t>
+            </a:r>
+            <a:r>
+              <a:rPr lang="en-US" altLang="ko-KR" dirty="0"/>
+              <a:t>","token_</a:t>
+            </a:r>
+            <a:r>
+              <a:rPr lang="en-US" altLang="ko-KR" dirty="0" err="1"/>
+              <a:t>uri</a:t>
+            </a:r>
+            <a:r>
+              <a:rPr lang="en-US" altLang="ko-KR" dirty="0"/>
+              <a:t>":"https://oauth2.googleapis.com/token","auth_provider_x509_cert_url":"https://www.googleapis.com/oauth2/v1/certs","client_secret":"7G3Eabq1eMULOmg1H2w9HXax","javascript_origins":["http://new.alba.co.kr","http://m0.alba.co.kr","http://event0.alba.co.kr"]}}</a:t>
+            </a:r>
+            <a:endParaRPr lang="ko-KR" altLang="en-US" dirty="0"/>
+          </a:p>
+        </p:txBody>
+      </p:sp>
+    </p:spTree>
+    <p:extLst>
+      <p:ext uri="{BB962C8B-B14F-4D97-AF65-F5344CB8AC3E}">
+        <p14:creationId xmlns:p14="http://schemas.microsoft.com/office/powerpoint/2010/main" val="428854035"/>
+      </p:ext>
+    </p:extLst>
+  </p:cSld>
+  <p:clrMapOvr>
+    <a:masterClrMapping/>
+  </p:clrMapOvr>
+</p:sld>
+</file>
+
+<file path=ppt/slides/slide2.xml><?xml version="1.0" encoding="utf-8"?>
+<p:sld xmlns:a="http://schemas.openxmlformats.org/drawingml/2006/main" xmlns:r="http://schemas.openxmlformats.org/officeDocument/2006/relationships" xmlns:p="http://schemas.openxmlformats.org/presentationml/2006/main">
+  <p:cSld>
+    <p:spTree>
+      <p:nvGrpSpPr>
+        <p:cNvPr id="1" name=""/>
+        <p:cNvGrpSpPr/>
+        <p:nvPr/>
+      </p:nvGrpSpPr>
+      <p:grpSpPr>
+        <a:xfrm>
+          <a:off x="0" y="0"/>
+          <a:ext cx="0" cy="0"/>
+          <a:chOff x="0" y="0"/>
+          <a:chExt cx="0" cy="0"/>
+        </a:xfrm>
+      </p:grpSpPr>
+      <p:sp>
+        <p:nvSpPr>
+          <p:cNvPr id="4" name="제목 3"/>
+          <p:cNvSpPr>
+            <a:spLocks noGrp="1"/>
+          </p:cNvSpPr>
+          <p:nvPr>
+            <p:ph type="title"/>
+          </p:nvPr>
+        </p:nvSpPr>
+        <p:spPr/>
+        <p:txBody>
+          <a:bodyPr/>
+          <a:lstStyle/>
+          <a:p>
+            <a:r>
+              <a:rPr lang="en-US" altLang="ko-KR" dirty="0" smtClean="0"/>
+              <a:t>1. </a:t>
+            </a:r>
+            <a:r>
+              <a:rPr lang="ko-KR" altLang="en-US" dirty="0" smtClean="0"/>
+              <a:t>사이트 접속</a:t>
+            </a:r>
+            <a:endParaRPr lang="ko-KR" altLang="en-US" dirty="0"/>
+          </a:p>
+        </p:txBody>
+      </p:sp>
+      <p:sp>
+        <p:nvSpPr>
+          <p:cNvPr id="6" name="TextBox 5"/>
+          <p:cNvSpPr txBox="1"/>
+          <p:nvPr/>
+        </p:nvSpPr>
+        <p:spPr>
+          <a:xfrm>
+            <a:off x="1010336" y="1988840"/>
+            <a:ext cx="4310988" cy="369332"/>
+          </a:xfrm>
+          <a:prstGeom prst="rect">
+            <a:avLst/>
+          </a:prstGeom>
+          <a:noFill/>
+        </p:spPr>
+        <p:txBody>
+          <a:bodyPr wrap="none" rtlCol="0">
+            <a:spAutoFit/>
+          </a:bodyPr>
+          <a:lstStyle/>
+          <a:p>
+            <a:r>
+              <a:rPr lang="en-US" altLang="ko-KR" dirty="0">
+                <a:hlinkClick r:id="rId2"/>
+              </a:rPr>
+              <a:t>https://console.developers.google.com/</a:t>
+            </a:r>
+            <a:endParaRPr lang="ko-KR" altLang="en-US" dirty="0"/>
+          </a:p>
+        </p:txBody>
+      </p:sp>
+      <p:sp>
+        <p:nvSpPr>
+          <p:cNvPr id="2" name="TextBox 1"/>
+          <p:cNvSpPr txBox="1"/>
+          <p:nvPr/>
+        </p:nvSpPr>
+        <p:spPr>
+          <a:xfrm>
+            <a:off x="1678732" y="3212976"/>
+            <a:ext cx="6552728" cy="1477328"/>
+          </a:xfrm>
+          <a:prstGeom prst="rect">
+            <a:avLst/>
+          </a:prstGeom>
+          <a:noFill/>
+        </p:spPr>
+        <p:txBody>
+          <a:bodyPr wrap="square" rtlCol="0">
+            <a:spAutoFit/>
+          </a:bodyPr>
+          <a:lstStyle/>
+          <a:p>
+            <a:r>
+              <a:rPr lang="ko-KR" altLang="en-US" dirty="0" smtClean="0"/>
+              <a:t>마케팅 계정으로 사용</a:t>
+            </a:r>
+            <a:endParaRPr lang="en-US" altLang="ko-KR" dirty="0" smtClean="0"/>
+          </a:p>
+          <a:p>
+            <a:endParaRPr lang="en-US" altLang="ko-KR" dirty="0"/>
+          </a:p>
+          <a:p>
+            <a:r>
+              <a:rPr lang="en-US" altLang="ko-KR" dirty="0"/>
+              <a:t>alba142@naver.com </a:t>
+            </a:r>
+            <a:endParaRPr lang="en-US" altLang="ko-KR" dirty="0" smtClean="0"/>
+          </a:p>
+          <a:p>
+            <a:r>
+              <a:rPr lang="en-US" altLang="ko-KR" dirty="0" smtClean="0"/>
+              <a:t>(</a:t>
+            </a:r>
+            <a:r>
+              <a:rPr lang="ko-KR" altLang="en-US" dirty="0" smtClean="0"/>
+              <a:t>비밀번호는 </a:t>
+            </a:r>
+            <a:r>
+              <a:rPr lang="ko-KR" altLang="en-US" dirty="0" err="1" smtClean="0"/>
+              <a:t>마케팅팀에서</a:t>
+            </a:r>
+            <a:r>
+              <a:rPr lang="ko-KR" altLang="en-US" dirty="0" smtClean="0"/>
+              <a:t> </a:t>
+            </a:r>
+            <a:r>
+              <a:rPr lang="ko-KR" altLang="en-US" dirty="0" err="1" smtClean="0"/>
+              <a:t>받을것</a:t>
+            </a:r>
+            <a:r>
+              <a:rPr lang="en-US" altLang="ko-KR" dirty="0" smtClean="0"/>
+              <a:t>)</a:t>
+            </a:r>
+          </a:p>
+          <a:p>
+            <a:endParaRPr lang="ko-KR" altLang="en-US" dirty="0"/>
+          </a:p>
+        </p:txBody>
+      </p:sp>
+    </p:spTree>
+    <p:extLst>
+      <p:ext uri="{BB962C8B-B14F-4D97-AF65-F5344CB8AC3E}">
+        <p14:creationId xmlns:p14="http://schemas.microsoft.com/office/powerpoint/2010/main" val="2875034070"/>
+      </p:ext>
+    </p:extLst>
+  </p:cSld>
+  <p:clrMapOvr>
+    <a:masterClrMapping/>
+  </p:clrMapOvr>
+</p:sld>
+</file>
+
+<file path=ppt/slides/slide3.xml><?xml version="1.0" encoding="utf-8"?>
+<p:sld xmlns:a="http://schemas.openxmlformats.org/drawingml/2006/main" xmlns:r="http://schemas.openxmlformats.org/officeDocument/2006/relationships" xmlns:p="http://schemas.openxmlformats.org/presentationml/2006/main">
+  <p:cSld>
+    <p:spTree>
+      <p:nvGrpSpPr>
+        <p:cNvPr id="1" name=""/>
+        <p:cNvGrpSpPr/>
+        <p:nvPr/>
+      </p:nvGrpSpPr>
+      <p:grpSpPr>
+        <a:xfrm>
+          <a:off x="0" y="0"/>
+          <a:ext cx="0" cy="0"/>
+          <a:chOff x="0" y="0"/>
+          <a:chExt cx="0" cy="0"/>
+        </a:xfrm>
+      </p:grpSpPr>
+      <p:sp>
+        <p:nvSpPr>
+          <p:cNvPr id="4" name="제목 3"/>
+          <p:cNvSpPr>
+            <a:spLocks noGrp="1"/>
+          </p:cNvSpPr>
+          <p:nvPr>
+            <p:ph type="title"/>
+          </p:nvPr>
+        </p:nvSpPr>
+        <p:spPr/>
+        <p:txBody>
+          <a:bodyPr/>
+          <a:lstStyle/>
+          <a:p>
+            <a:r>
+              <a:rPr lang="en-US" altLang="ko-KR" dirty="0"/>
+              <a:t>2</a:t>
+            </a:r>
+            <a:r>
+              <a:rPr lang="en-US" altLang="ko-KR" dirty="0" smtClean="0"/>
+              <a:t>. </a:t>
+            </a:r>
+            <a:r>
+              <a:rPr lang="ko-KR" altLang="en-US" dirty="0" smtClean="0"/>
+              <a:t>프로젝트 만들기</a:t>
+            </a:r>
+            <a:endParaRPr lang="ko-KR" altLang="en-US" dirty="0"/>
+          </a:p>
+        </p:txBody>
+      </p:sp>
+      <p:pic>
+        <p:nvPicPr>
+          <p:cNvPr id="1026" name="Picture 2"/>
+          <p:cNvPicPr>
+            <a:picLocks noChangeAspect="1" noChangeArrowheads="1"/>
+          </p:cNvPicPr>
+          <p:nvPr/>
+        </p:nvPicPr>
+        <p:blipFill rotWithShape="1">
+          <a:blip r:embed="rId2">
+            <a:extLst>
+              <a:ext uri="{28A0092B-C50C-407E-A947-70E740481C1C}">
+                <a14:useLocalDpi xmlns:a14="http://schemas.microsoft.com/office/drawing/2010/main" val="0"/>
+              </a:ext>
+            </a:extLst>
+          </a:blip>
+          <a:srcRect b="61357"/>
+          <a:stretch/>
+        </p:blipFill>
+        <p:spPr bwMode="auto">
+          <a:xfrm>
+            <a:off x="1547664" y="1400436"/>
+            <a:ext cx="5976664" cy="2046149"/>
+          </a:xfrm>
+          <a:prstGeom prst="rect">
+            <a:avLst/>
+          </a:prstGeom>
+          <a:noFill/>
+          <a:ln>
+            <a:noFill/>
+          </a:ln>
+          <a:extLst>
+            <a:ext uri="{909E8E84-426E-40DD-AFC4-6F175D3DCCD1}">
+              <a14:hiddenFill xmlns:a14="http://schemas.microsoft.com/office/drawing/2010/main">
+                <a:solidFill>
+                  <a:schemeClr val="accent1"/>
+                </a:solidFill>
+              </a14:hiddenFill>
+            </a:ext>
+            <a:ext uri="{91240B29-F687-4F45-9708-019B960494DF}">
+              <a14:hiddenLine xmlns:a14="http://schemas.microsoft.com/office/drawing/2010/main" w="9525">
+                <a:solidFill>
+                  <a:schemeClr val="tx1"/>
+                </a:solidFill>
+                <a:miter lim="800000"/>
+                <a:headEnd/>
+                <a:tailEnd/>
+              </a14:hiddenLine>
+            </a:ext>
+          </a:extLst>
+        </p:spPr>
+      </p:pic>
+      <p:sp>
+        <p:nvSpPr>
+          <p:cNvPr id="2" name="TextBox 1"/>
+          <p:cNvSpPr txBox="1"/>
+          <p:nvPr/>
+        </p:nvSpPr>
+        <p:spPr>
+          <a:xfrm>
+            <a:off x="1115616" y="4077072"/>
+            <a:ext cx="3103735" cy="369332"/>
+          </a:xfrm>
+          <a:prstGeom prst="rect">
+            <a:avLst/>
+          </a:prstGeom>
+          <a:noFill/>
+        </p:spPr>
+        <p:txBody>
+          <a:bodyPr wrap="none" rtlCol="0">
+            <a:spAutoFit/>
+          </a:bodyPr>
+          <a:lstStyle/>
+          <a:p>
+            <a:r>
+              <a:rPr lang="ko-KR" altLang="en-US" dirty="0" smtClean="0"/>
+              <a:t>프로젝트 만든 후 선택한다</a:t>
+            </a:r>
+            <a:r>
+              <a:rPr lang="en-US" altLang="ko-KR" dirty="0" smtClean="0"/>
+              <a:t>!!</a:t>
+            </a:r>
+            <a:endParaRPr lang="ko-KR" altLang="en-US" dirty="0"/>
+          </a:p>
+        </p:txBody>
+      </p:sp>
+    </p:spTree>
+    <p:extLst>
+      <p:ext uri="{BB962C8B-B14F-4D97-AF65-F5344CB8AC3E}">
+        <p14:creationId xmlns:p14="http://schemas.microsoft.com/office/powerpoint/2010/main" val="2993094436"/>
+      </p:ext>
+    </p:extLst>
+  </p:cSld>
+  <p:clrMapOvr>
+    <a:masterClrMapping/>
+  </p:clrMapOvr>
+</p:sld>
+</file>
+
+<file path=ppt/slides/slide4.xml><?xml version="1.0" encoding="utf-8"?>
+<p:sld xmlns:a="http://schemas.openxmlformats.org/drawingml/2006/main" xmlns:r="http://schemas.openxmlformats.org/officeDocument/2006/relationships" xmlns:p="http://schemas.openxmlformats.org/presentationml/2006/main">
+  <p:cSld>
+    <p:spTree>
+      <p:nvGrpSpPr>
+        <p:cNvPr id="1" name=""/>
+        <p:cNvGrpSpPr/>
+        <p:nvPr/>
+      </p:nvGrpSpPr>
+      <p:grpSpPr>
+        <a:xfrm>
+          <a:off x="0" y="0"/>
+          <a:ext cx="0" cy="0"/>
+          <a:chOff x="0" y="0"/>
+          <a:chExt cx="0" cy="0"/>
+        </a:xfrm>
+      </p:grpSpPr>
+      <p:sp>
+        <p:nvSpPr>
+          <p:cNvPr id="2" name="제목 1"/>
+          <p:cNvSpPr>
+            <a:spLocks noGrp="1"/>
+          </p:cNvSpPr>
+          <p:nvPr>
+            <p:ph type="title"/>
+          </p:nvPr>
+        </p:nvSpPr>
+        <p:spPr/>
+        <p:txBody>
+          <a:bodyPr/>
+          <a:lstStyle/>
+          <a:p>
+            <a:r>
+              <a:rPr lang="ko-KR" altLang="en-US" dirty="0" smtClean="0"/>
+              <a:t>사용할 </a:t>
+            </a:r>
+            <a:r>
+              <a:rPr lang="en-US" altLang="ko-KR" dirty="0" err="1" smtClean="0"/>
+              <a:t>api</a:t>
+            </a:r>
+            <a:r>
+              <a:rPr lang="en-US" altLang="ko-KR" dirty="0" smtClean="0"/>
+              <a:t> </a:t>
+            </a:r>
+            <a:r>
+              <a:rPr lang="ko-KR" altLang="en-US" dirty="0" smtClean="0"/>
+              <a:t>검색</a:t>
+            </a:r>
+            <a:endParaRPr lang="ko-KR" altLang="en-US" dirty="0"/>
+          </a:p>
+        </p:txBody>
+      </p:sp>
+      <p:pic>
+        <p:nvPicPr>
+          <p:cNvPr id="1026" name="Picture 2"/>
+          <p:cNvPicPr>
+            <a:picLocks noChangeAspect="1" noChangeArrowheads="1"/>
+          </p:cNvPicPr>
+          <p:nvPr/>
+        </p:nvPicPr>
+        <p:blipFill>
+          <a:blip r:embed="rId2">
+            <a:extLst>
+              <a:ext uri="{28A0092B-C50C-407E-A947-70E740481C1C}">
+                <a14:useLocalDpi xmlns:a14="http://schemas.microsoft.com/office/drawing/2010/main" val="0"/>
+              </a:ext>
+            </a:extLst>
+          </a:blip>
+          <a:srcRect/>
+          <a:stretch>
+            <a:fillRect/>
+          </a:stretch>
+        </p:blipFill>
+        <p:spPr bwMode="auto">
+          <a:xfrm>
+            <a:off x="899592" y="1268760"/>
+            <a:ext cx="7633097" cy="5169965"/>
+          </a:xfrm>
+          <a:prstGeom prst="rect">
+            <a:avLst/>
+          </a:prstGeom>
+          <a:noFill/>
+          <a:ln>
+            <a:noFill/>
+          </a:ln>
+          <a:extLst>
+            <a:ext uri="{909E8E84-426E-40DD-AFC4-6F175D3DCCD1}">
+              <a14:hiddenFill xmlns:a14="http://schemas.microsoft.com/office/drawing/2010/main">
+                <a:solidFill>
+                  <a:schemeClr val="accent1"/>
+                </a:solidFill>
+              </a14:hiddenFill>
+            </a:ext>
+            <a:ext uri="{91240B29-F687-4F45-9708-019B960494DF}">
+              <a14:hiddenLine xmlns:a14="http://schemas.microsoft.com/office/drawing/2010/main" w="9525">
+                <a:solidFill>
+                  <a:schemeClr val="tx1"/>
+                </a:solidFill>
+                <a:miter lim="800000"/>
+                <a:headEnd/>
+                <a:tailEnd/>
+              </a14:hiddenLine>
+            </a:ext>
+          </a:extLst>
+        </p:spPr>
+      </p:pic>
+      <p:sp>
+        <p:nvSpPr>
+          <p:cNvPr id="4" name="TextBox 3"/>
+          <p:cNvSpPr txBox="1"/>
+          <p:nvPr/>
+        </p:nvSpPr>
+        <p:spPr>
+          <a:xfrm>
+            <a:off x="4067944" y="3669076"/>
+            <a:ext cx="1744195" cy="369332"/>
+          </a:xfrm>
+          <a:prstGeom prst="rect">
+            <a:avLst/>
+          </a:prstGeom>
+          <a:noFill/>
+        </p:spPr>
+        <p:txBody>
+          <a:bodyPr wrap="none" rtlCol="0">
+            <a:spAutoFit/>
+          </a:bodyPr>
+          <a:lstStyle/>
+          <a:p>
+            <a:r>
+              <a:rPr lang="en-US" altLang="ko-KR" dirty="0" smtClean="0"/>
+              <a:t>“photo”</a:t>
+            </a:r>
+            <a:r>
+              <a:rPr lang="ko-KR" altLang="en-US" dirty="0" smtClean="0"/>
+              <a:t>로 검색</a:t>
+            </a:r>
+            <a:endParaRPr lang="ko-KR" altLang="en-US" dirty="0"/>
+          </a:p>
+        </p:txBody>
+      </p:sp>
+    </p:spTree>
+    <p:extLst>
+      <p:ext uri="{BB962C8B-B14F-4D97-AF65-F5344CB8AC3E}">
+        <p14:creationId xmlns:p14="http://schemas.microsoft.com/office/powerpoint/2010/main" val="597071745"/>
       </p:ext>
     </p:extLst>
   </p:cSld>
@@ -3595,7 +4398,7 @@
       </p:grpSpPr>
       <p:sp>
         <p:nvSpPr>
-          <p:cNvPr id="4" name="제목 3"/>
+          <p:cNvPr id="2" name="제목 1"/>
           <p:cNvSpPr>
             <a:spLocks noGrp="1"/>
           </p:cNvSpPr>
@@ -3610,34 +4413,80 @@
           <a:p>
             <a:r>
               <a:rPr lang="en-US" altLang="ko-KR" dirty="0" smtClean="0"/>
-              <a:t>3. </a:t>
+              <a:t>Photo Library API </a:t>
             </a:r>
             <a:r>
               <a:rPr lang="ko-KR" altLang="en-US" dirty="0" smtClean="0"/>
-              <a:t>사용자 인증 정보</a:t>
-            </a:r>
-            <a:r>
-              <a:rPr lang="en-US" altLang="ko-KR" dirty="0" smtClean="0"/>
-              <a:t> </a:t>
-            </a:r>
-            <a:r>
-              <a:rPr lang="ko-KR" altLang="en-US" dirty="0" smtClean="0"/>
-              <a:t>만들기</a:t>
+              <a:t>사용 설정</a:t>
             </a:r>
             <a:endParaRPr lang="ko-KR" altLang="en-US" dirty="0"/>
           </a:p>
         </p:txBody>
       </p:sp>
-      <p:sp>
-        <p:nvSpPr>
-          <p:cNvPr id="6" name="TextBox 5"/>
+      <p:pic>
+        <p:nvPicPr>
+          <p:cNvPr id="2050" name="Picture 2"/>
+          <p:cNvPicPr>
+            <a:picLocks noChangeAspect="1" noChangeArrowheads="1"/>
+          </p:cNvPicPr>
+          <p:nvPr/>
+        </p:nvPicPr>
+        <p:blipFill>
+          <a:blip r:embed="rId2">
+            <a:extLst>
+              <a:ext uri="{28A0092B-C50C-407E-A947-70E740481C1C}">
+                <a14:useLocalDpi xmlns:a14="http://schemas.microsoft.com/office/drawing/2010/main" val="0"/>
+              </a:ext>
+            </a:extLst>
+          </a:blip>
+          <a:srcRect/>
+          <a:stretch>
+            <a:fillRect/>
+          </a:stretch>
+        </p:blipFill>
+        <p:spPr bwMode="auto">
+          <a:xfrm>
+            <a:off x="1009650" y="1772816"/>
+            <a:ext cx="7124700" cy="4286250"/>
+          </a:xfrm>
+          <a:prstGeom prst="rect">
+            <a:avLst/>
+          </a:prstGeom>
+          <a:noFill/>
+          <a:ln>
+            <a:noFill/>
+          </a:ln>
+          <a:extLst>
+            <a:ext uri="{909E8E84-426E-40DD-AFC4-6F175D3DCCD1}">
+              <a14:hiddenFill xmlns:a14="http://schemas.microsoft.com/office/drawing/2010/main">
+                <a:solidFill>
+                  <a:schemeClr val="accent1"/>
+                </a:solidFill>
+              </a14:hiddenFill>
+            </a:ext>
+            <a:ext uri="{91240B29-F687-4F45-9708-019B960494DF}">
+              <a14:hiddenLine xmlns:a14="http://schemas.microsoft.com/office/drawing/2010/main" w="9525">
+                <a:solidFill>
+                  <a:schemeClr val="tx1"/>
+                </a:solidFill>
+                <a:miter lim="800000"/>
+                <a:headEnd/>
+                <a:tailEnd/>
+              </a14:hiddenLine>
+            </a:ext>
+          </a:extLst>
+        </p:spPr>
+      </p:pic>
+      <p:sp>
+        <p:nvSpPr>
+          <p:cNvPr id="4" name="TextBox 3"/>
           <p:cNvSpPr txBox="1"/>
           <p:nvPr/>
         </p:nvSpPr>
         <p:spPr>
           <a:xfrm>
-            <a:off x="1043608" y="1556792"/>
-            <a:ext cx="3206327" cy="369332"/>
+            <a:off x="4556085" y="1772816"/>
+            <a:ext cx="1718740" cy="369332"/>
           </a:xfrm>
           <a:prstGeom prst="rect">
             <a:avLst/>
@@ -3650,13 +4499,72 @@
           </a:bodyPr>
           <a:lstStyle/>
           <a:p>
-            <a:pPr marL="285750" indent="-285750">
-              <a:buFontTx/>
-              <a:buChar char="-"/>
-            </a:pPr>
+            <a:r>
+              <a:rPr lang="ko-KR" altLang="en-US" dirty="0" smtClean="0"/>
+              <a:t>사용하기 선택</a:t>
+            </a:r>
+            <a:r>
+              <a:rPr lang="en-US" altLang="ko-KR" dirty="0" smtClean="0"/>
+              <a:t>!</a:t>
+            </a:r>
+            <a:endParaRPr lang="ko-KR" altLang="en-US" dirty="0"/>
+          </a:p>
+        </p:txBody>
+      </p:sp>
+    </p:spTree>
+    <p:extLst>
+      <p:ext uri="{BB962C8B-B14F-4D97-AF65-F5344CB8AC3E}">
+        <p14:creationId xmlns:p14="http://schemas.microsoft.com/office/powerpoint/2010/main" val="1356301174"/>
+      </p:ext>
+    </p:extLst>
+  </p:cSld>
+  <p:clrMapOvr>
+    <a:masterClrMapping/>
+  </p:clrMapOvr>
+</p:sld>
+</file>
+
+<file path=ppt/slides/slide6.xml><?xml version="1.0" encoding="utf-8"?>
+<p:sld xmlns:a="http://schemas.openxmlformats.org/drawingml/2006/main" xmlns:r="http://schemas.openxmlformats.org/officeDocument/2006/relationships" xmlns:p="http://schemas.openxmlformats.org/presentationml/2006/main">
+  <p:cSld>
+    <p:spTree>
+      <p:nvGrpSpPr>
+        <p:cNvPr id="1" name=""/>
+        <p:cNvGrpSpPr/>
+        <p:nvPr/>
+      </p:nvGrpSpPr>
+      <p:grpSpPr>
+        <a:xfrm>
+          <a:off x="0" y="0"/>
+          <a:ext cx="0" cy="0"/>
+          <a:chOff x="0" y="0"/>
+          <a:chExt cx="0" cy="0"/>
+        </a:xfrm>
+      </p:grpSpPr>
+      <p:sp>
+        <p:nvSpPr>
+          <p:cNvPr id="2" name="제목 1"/>
+          <p:cNvSpPr>
+            <a:spLocks noGrp="1"/>
+          </p:cNvSpPr>
+          <p:nvPr>
+            <p:ph type="title"/>
+          </p:nvPr>
+        </p:nvSpPr>
+        <p:spPr/>
+        <p:txBody>
+          <a:bodyPr>
+            <a:normAutofit fontScale="90000"/>
+          </a:bodyPr>
+          <a:lstStyle/>
+          <a:p>
+            <a:r>
+              <a:rPr lang="en-US" altLang="ko-KR" dirty="0" smtClean="0"/>
+              <a:t>Photo </a:t>
+            </a:r>
             <a:r>
               <a:rPr lang="en-US" altLang="ko-KR" dirty="0" err="1" smtClean="0"/>
-              <a:t>Oauth</a:t>
+              <a:t>api</a:t>
             </a:r>
             <a:r>
               <a:rPr lang="en-US" altLang="ko-KR" dirty="0" smtClean="0"/>
@@ -3664,15 +4572,7 @@
             </a:r>
             <a:r>
               <a:rPr lang="ko-KR" altLang="en-US" dirty="0" smtClean="0"/>
-              <a:t>클라이언트 </a:t>
-            </a:r>
-            <a:r>
-              <a:rPr lang="en-US" altLang="ko-KR" dirty="0" smtClean="0"/>
-              <a:t>ID </a:t>
-            </a:r>
-            <a:r>
-              <a:rPr lang="ko-KR" altLang="en-US" dirty="0" smtClean="0"/>
-              <a:t>생성</a:t>
+              <a:t>관리 페이지로 들어간다</a:t>
             </a:r>
             <a:endParaRPr lang="ko-KR" altLang="en-US" dirty="0"/>
           </a:p>
@@ -3701,8 +4601,138 @@
         </p:blipFill>
         <p:spPr bwMode="auto">
           <a:xfrm>
-            <a:off x="1475656" y="1986222"/>
-            <a:ext cx="6352437" cy="4216430"/>
+            <a:off x="755576" y="1844824"/>
+            <a:ext cx="8219678" cy="4042575"/>
+          </a:xfrm>
+          <a:prstGeom prst="rect">
+            <a:avLst/>
+          </a:prstGeom>
+          <a:noFill/>
+          <a:ln>
+            <a:noFill/>
+          </a:ln>
+          <a:extLst>
+            <a:ext uri="{909E8E84-426E-40DD-AFC4-6F175D3DCCD1}">
+              <a14:hiddenFill xmlns:a14="http://schemas.microsoft.com/office/drawing/2010/main">
+                <a:solidFill>
+                  <a:schemeClr val="accent1"/>
+                </a:solidFill>
+              </a14:hiddenFill>
+            </a:ext>
+            <a:ext uri="{91240B29-F687-4F45-9708-019B960494DF}">
+              <a14:hiddenLine xmlns:a14="http://schemas.microsoft.com/office/drawing/2010/main" w="9525">
+                <a:solidFill>
+                  <a:schemeClr val="tx1"/>
+                </a:solidFill>
+                <a:miter lim="800000"/>
+                <a:headEnd/>
+                <a:tailEnd/>
+              </a14:hiddenLine>
+            </a:ext>
+          </a:extLst>
+        </p:spPr>
+      </p:pic>
+      <p:sp>
+        <p:nvSpPr>
+          <p:cNvPr id="3" name="타원 2"/>
+          <p:cNvSpPr/>
+          <p:nvPr/>
+        </p:nvSpPr>
+        <p:spPr>
+          <a:xfrm>
+            <a:off x="683568" y="3284984"/>
+            <a:ext cx="1224136" cy="288032"/>
+          </a:xfrm>
+          <a:prstGeom prst="ellipse">
+            <a:avLst/>
+          </a:prstGeom>
+          <a:noFill/>
+          <a:ln>
+            <a:solidFill>
+              <a:srgbClr val="FF0000"/>
+            </a:solidFill>
+          </a:ln>
+        </p:spPr>
+        <p:style>
+          <a:lnRef idx="2">
+            <a:schemeClr val="accent1">
+              <a:shade val="50000"/>
+            </a:schemeClr>
+          </a:lnRef>
+          <a:fillRef idx="1">
+            <a:schemeClr val="accent1"/>
+          </a:fillRef>
+          <a:effectRef idx="0">
+            <a:schemeClr val="accent1"/>
+          </a:effectRef>
+          <a:fontRef idx="minor">
+            <a:schemeClr val="lt1"/>
+          </a:fontRef>
+        </p:style>
+        <p:txBody>
+          <a:bodyPr rtlCol="0" anchor="ctr"/>
+          <a:lstStyle/>
+          <a:p>
+            <a:pPr algn="ctr"/>
+            <a:endParaRPr lang="ko-KR" altLang="en-US"/>
+          </a:p>
+        </p:txBody>
+      </p:sp>
+    </p:spTree>
+    <p:extLst>
+      <p:ext uri="{BB962C8B-B14F-4D97-AF65-F5344CB8AC3E}">
+        <p14:creationId xmlns:p14="http://schemas.microsoft.com/office/powerpoint/2010/main" val="1618736923"/>
+      </p:ext>
+    </p:extLst>
+  </p:cSld>
+  <p:clrMapOvr>
+    <a:masterClrMapping/>
+  </p:clrMapOvr>
+</p:sld>
+</file>
+
+<file path=ppt/slides/slide7.xml><?xml version="1.0" encoding="utf-8"?>
+<p:sld xmlns:a="http://schemas.openxmlformats.org/drawingml/2006/main" xmlns:r="http://schemas.openxmlformats.org/officeDocument/2006/relationships" xmlns:p="http://schemas.openxmlformats.org/presentationml/2006/main">
+  <p:cSld>
+    <p:spTree>
+      <p:nvGrpSpPr>
+        <p:cNvPr id="1" name=""/>
+        <p:cNvGrpSpPr/>
+        <p:nvPr/>
+      </p:nvGrpSpPr>
+      <p:grpSpPr>
+        <a:xfrm>
+          <a:off x="0" y="0"/>
+          <a:ext cx="0" cy="0"/>
+          <a:chOff x="0" y="0"/>
+          <a:chExt cx="0" cy="0"/>
+        </a:xfrm>
+      </p:grpSpPr>
+      <p:pic>
+        <p:nvPicPr>
+          <p:cNvPr id="4099" name="Picture 3"/>
+          <p:cNvPicPr>
+            <a:picLocks noChangeAspect="1" noChangeArrowheads="1"/>
+          </p:cNvPicPr>
+          <p:nvPr/>
+        </p:nvPicPr>
+        <p:blipFill>
+          <a:blip r:embed="rId2">
+            <a:extLst>
+              <a:ext uri="{28A0092B-C50C-407E-A947-70E740481C1C}">
+                <a14:useLocalDpi xmlns:a14="http://schemas.microsoft.com/office/drawing/2010/main" val="0"/>
+              </a:ext>
+            </a:extLst>
+          </a:blip>
+          <a:srcRect/>
+          <a:stretch>
+            <a:fillRect/>
+          </a:stretch>
+        </p:blipFill>
+        <p:spPr bwMode="auto">
+          <a:xfrm>
+            <a:off x="666750" y="2095500"/>
+            <a:ext cx="7810500" cy="2667000"/>
           </a:xfrm>
           <a:prstGeom prst="rect">
             <a:avLst/>
@@ -3735,7 +4765,7 @@
     </p:spTree>
     <p:extLst>
       <p:ext uri="{BB962C8B-B14F-4D97-AF65-F5344CB8AC3E}">
-        <p14:creationId xmlns:p14="http://schemas.microsoft.com/office/powerpoint/2010/main" val="1460317485"/>
+        <p14:creationId xmlns:p14="http://schemas.microsoft.com/office/powerpoint/2010/main" val="3801415627"/>
       </p:ext>
     </p:extLst>
   </p:cSld>
@@ -3745,7 +4775,7 @@
 </p:sld>
 </file>
 
-<file path=ppt/slides/slide6.xml><?xml version="1.0" encoding="utf-8"?>
+<file path=ppt/slides/slide8.xml><?xml version="1.0" encoding="utf-8"?>
 <p:sld xmlns:a="http://schemas.openxmlformats.org/drawingml/2006/main" xmlns:r="http://schemas.openxmlformats.org/officeDocument/2006/relationships" xmlns:p="http://schemas.openxmlformats.org/presentationml/2006/main">
   <p:cSld>
     <p:spTree>
@@ -3762,85 +4792,9 @@
           <a:chExt cx="0" cy="0"/>
         </a:xfrm>
       </p:grpSpPr>
-      <p:sp>
-        <p:nvSpPr>
-          <p:cNvPr id="4" name="제목 3"/>
-          <p:cNvSpPr>
-            <a:spLocks noGrp="1"/>
-          </p:cNvSpPr>
-          <p:nvPr>
-            <p:ph type="title"/>
-          </p:nvPr>
-        </p:nvSpPr>
-        <p:spPr/>
-        <p:txBody>
-          <a:bodyPr/>
-          <a:lstStyle/>
-          <a:p>
-            <a:r>
-              <a:rPr lang="en-US" altLang="ko-KR" dirty="0" smtClean="0"/>
-              <a:t>3. </a:t>
-            </a:r>
-            <a:r>
-              <a:rPr lang="ko-KR" altLang="en-US" dirty="0" smtClean="0"/>
-              <a:t>사용자 인증 정보</a:t>
-            </a:r>
-            <a:r>
-              <a:rPr lang="en-US" altLang="ko-KR" dirty="0" smtClean="0"/>
-              <a:t> </a:t>
-            </a:r>
-            <a:r>
-              <a:rPr lang="ko-KR" altLang="en-US" dirty="0" smtClean="0"/>
-              <a:t>만들기</a:t>
-            </a:r>
-            <a:endParaRPr lang="ko-KR" altLang="en-US" dirty="0"/>
-          </a:p>
-        </p:txBody>
-      </p:sp>
-      <p:sp>
-        <p:nvSpPr>
-          <p:cNvPr id="6" name="TextBox 5"/>
-          <p:cNvSpPr txBox="1"/>
-          <p:nvPr/>
-        </p:nvSpPr>
-        <p:spPr>
-          <a:xfrm>
-            <a:off x="1043608" y="1556792"/>
-            <a:ext cx="1675459" cy="646331"/>
-          </a:xfrm>
-          <a:prstGeom prst="rect">
-            <a:avLst/>
-          </a:prstGeom>
-          <a:noFill/>
-        </p:spPr>
-        <p:txBody>
-          <a:bodyPr wrap="none" rtlCol="0">
-            <a:spAutoFit/>
-          </a:bodyPr>
-          <a:lstStyle/>
-          <a:p>
-            <a:pPr marL="285750" indent="-285750">
-              <a:buFontTx/>
-              <a:buChar char="-"/>
-            </a:pPr>
-            <a:r>
-              <a:rPr lang="en-US" altLang="ko-KR" dirty="0" smtClean="0"/>
-              <a:t>API </a:t>
-            </a:r>
-            <a:r>
-              <a:rPr lang="ko-KR" altLang="en-US" dirty="0" smtClean="0"/>
-              <a:t>키 생성</a:t>
-            </a:r>
-            <a:endParaRPr lang="en-US" altLang="ko-KR" dirty="0" smtClean="0"/>
-          </a:p>
-          <a:p>
-            <a:endParaRPr lang="ko-KR" altLang="en-US" dirty="0"/>
-          </a:p>
-        </p:txBody>
-      </p:sp>
       <p:pic>
         <p:nvPicPr>
-          <p:cNvPr id="4098" name="Picture 2"/>
+          <p:cNvPr id="5123" name="Picture 3"/>
           <p:cNvPicPr>
             <a:picLocks noChangeAspect="1" noChangeArrowheads="1"/>
           </p:cNvPicPr>
@@ -3861,8 +4815,8 @@
         </p:blipFill>
         <p:spPr bwMode="auto">
           <a:xfrm>
-            <a:off x="1538287" y="2564904"/>
-            <a:ext cx="6067425" cy="2952750"/>
+            <a:off x="1790700" y="185738"/>
+            <a:ext cx="5562600" cy="6486525"/>
           </a:xfrm>
           <a:prstGeom prst="rect">
             <a:avLst/>
@@ -3895,7 +4849,7 @@
     </p:spTree>
     <p:extLst>
       <p:ext uri="{BB962C8B-B14F-4D97-AF65-F5344CB8AC3E}">
-        <p14:creationId xmlns:p14="http://schemas.microsoft.com/office/powerpoint/2010/main" val="1632979956"/>
+        <p14:creationId xmlns:p14="http://schemas.microsoft.com/office/powerpoint/2010/main" val="3051180613"/>
       </p:ext>
     </p:extLst>
   </p:cSld>
@@ -3905,7 +4859,7 @@
 </p:sld>
 </file>
 
-<file path=ppt/slides/slide7.xml><?xml version="1.0" encoding="utf-8"?>
+<file path=ppt/slides/slide9.xml><?xml version="1.0" encoding="utf-8"?>
 <p:sld xmlns:a="http://schemas.openxmlformats.org/drawingml/2006/main" xmlns:r="http://schemas.openxmlformats.org/officeDocument/2006/relationships" xmlns:p="http://schemas.openxmlformats.org/presentationml/2006/main">
   <p:cSld>
     <p:spTree>
@@ -3922,40 +4876,9 @@
           <a:chExt cx="0" cy="0"/>
         </a:xfrm>
       </p:grpSpPr>
-      <p:sp>
-        <p:nvSpPr>
-          <p:cNvPr id="2" name="제목 1"/>
-          <p:cNvSpPr>
-            <a:spLocks noGrp="1"/>
-          </p:cNvSpPr>
-          <p:nvPr>
-            <p:ph type="title"/>
-          </p:nvPr>
-        </p:nvSpPr>
-        <p:spPr/>
-        <p:txBody>
-          <a:bodyPr/>
-          <a:lstStyle/>
-          <a:p>
-            <a:r>
-              <a:rPr lang="ko-KR" altLang="en-US" dirty="0" smtClean="0"/>
-              <a:t>개발자가 필요한 </a:t>
-            </a:r>
-            <a:r>
-              <a:rPr lang="ko-KR" altLang="en-US" dirty="0" err="1" smtClean="0"/>
-              <a:t>키값들</a:t>
-            </a:r>
-            <a:r>
-              <a:rPr lang="en-US" altLang="ko-KR" dirty="0" smtClean="0"/>
-              <a:t>..</a:t>
-            </a:r>
-            <a:endParaRPr lang="ko-KR" altLang="en-US" dirty="0"/>
-          </a:p>
-        </p:txBody>
-      </p:sp>
       <p:pic>
         <p:nvPicPr>
-          <p:cNvPr id="1027" name="Picture 3"/>
+          <p:cNvPr id="6146" name="Picture 2"/>
           <p:cNvPicPr>
             <a:picLocks noChangeAspect="1" noChangeArrowheads="1"/>
           </p:cNvPicPr>
@@ -3976,8 +4899,8 @@
         </p:blipFill>
         <p:spPr bwMode="auto">
           <a:xfrm>
-            <a:off x="971600" y="1340768"/>
-            <a:ext cx="7445846" cy="3596848"/>
+            <a:off x="2033588" y="47625"/>
+            <a:ext cx="5076825" cy="6762750"/>
           </a:xfrm>
           <a:prstGeom prst="rect">
             <a:avLst/>
@@ -4007,100 +4930,56 @@
           </a:extLst>
         </p:spPr>
       </p:pic>
-      <p:pic>
-        <p:nvPicPr>
-          <p:cNvPr id="1028" name="Picture 4"/>
-          <p:cNvPicPr>
-            <a:picLocks noChangeAspect="1" noChangeArrowheads="1"/>
-          </p:cNvPicPr>
+      <p:sp>
+        <p:nvSpPr>
+          <p:cNvPr id="4" name="타원 3"/>
+          <p:cNvSpPr/>
           <p:nvPr/>
-        </p:nvPicPr>
-        <p:blipFill>
-          <a:blip r:embed="rId3">
-            <a:extLst>
-              <a:ext uri="{28A0092B-C50C-407E-A947-70E740481C1C}">
-                <a14:useLocalDpi xmlns:a14="http://schemas.microsoft.com/office/drawing/2010/main" val="0"/>
-              </a:ext>
-            </a:extLst>
-          </a:blip>
-          <a:srcRect/>
-          <a:stretch>
-            <a:fillRect/>
-          </a:stretch>
-        </p:blipFill>
-        <p:spPr bwMode="auto">
+        </p:nvSpPr>
+        <p:spPr>
           <a:xfrm>
-            <a:off x="1524288" y="5157192"/>
-            <a:ext cx="6048375" cy="847725"/>
+            <a:off x="2411760" y="6309319"/>
+            <a:ext cx="1872208" cy="501055"/>
           </a:xfrm>
-          <a:prstGeom prst="rect">
+          <a:prstGeom prst="ellipse">
             <a:avLst/>
           </a:prstGeom>
           <a:noFill/>
           <a:ln>
-            <a:noFill/>
-          </a:ln>
-          <a:extLst>
-            <a:ext uri="{909E8E84-426E-40DD-AFC4-6F175D3DCCD1}">
-              <a14:hiddenFill xmlns:a14="http://schemas.microsoft.com/office/drawing/2010/main">
-                <a:solidFill>
-                  <a:schemeClr val="accent1"/>
-                </a:solidFill>
-              </a14:hiddenFill>
-            </a:ext>
-            <a:ext uri="{91240B29-F687-4F45-9708-019B960494DF}">
-              <a14:hiddenLine xmlns:a14="http://schemas.microsoft.com/office/drawing/2010/main" w="9525">
-                <a:solidFill>
-                  <a:schemeClr val="tx1"/>
-                </a:solidFill>
-                <a:miter lim="800000"/>
-                <a:headEnd/>
-                <a:tailEnd/>
-              </a14:hiddenLine>
-            </a:ext>
-          </a:extLst>
-        </p:spPr>
-      </p:pic>
-      <p:cxnSp>
-        <p:nvCxnSpPr>
-          <p:cNvPr id="4" name="직선 화살표 연결선 3"/>
-          <p:cNvCxnSpPr/>
-          <p:nvPr/>
-        </p:nvCxnSpPr>
-        <p:spPr>
-          <a:xfrm>
-            <a:off x="1763688" y="4653136"/>
-            <a:ext cx="0" cy="504056"/>
-          </a:xfrm>
-          <a:prstGeom prst="straightConnector1">
-            <a:avLst/>
-          </a:prstGeom>
-          <a:ln w="28575">
             <a:solidFill>
-              <a:srgbClr val="0070C0"/>
+              <a:srgbClr val="FF0000"/>
             </a:solidFill>
-            <a:tailEnd type="arrow"/>
           </a:ln>
         </p:spPr>
         <p:style>
-          <a:lnRef idx="1">
-            <a:schemeClr val="accent1"/>
+          <a:lnRef idx="2">
+            <a:schemeClr val="accent1">
+              <a:shade val="50000"/>
+            </a:schemeClr>
           </a:lnRef>
-          <a:fillRef idx="0">
+          <a:fillRef idx="1">
             <a:schemeClr val="accent1"/>
           </a:fillRef>
           <a:effectRef idx="0">
             <a:schemeClr val="accent1"/>
           </a:effectRef>
           <a:fontRef idx="minor">
-            <a:schemeClr val="tx1"/>
+            <a:schemeClr val="lt1"/>
           </a:fontRef>
         </p:style>
-      </p:cxnSp>
+        <p:txBody>
+          <a:bodyPr rtlCol="0" anchor="ctr"/>
+          <a:lstStyle/>
+          <a:p>
+            <a:pPr algn="ctr"/>
+            <a:endParaRPr lang="ko-KR" altLang="en-US"/>
+          </a:p>
+        </p:txBody>
+      </p:sp>
     </p:spTree>
     <p:extLst>
       <p:ext uri="{BB962C8B-B14F-4D97-AF65-F5344CB8AC3E}">
-        <p14:creationId xmlns:p14="http://schemas.microsoft.com/office/powerpoint/2010/main" val="3207993605"/>
+        <p14:creationId xmlns:p14="http://schemas.microsoft.com/office/powerpoint/2010/main" val="4270372149"/>
       </p:ext>
     </p:extLst>
   </p:cSld>
